--- a/Error Ellipses.pptx
+++ b/Error Ellipses.pptx
@@ -7,14 +7,15 @@
   <p:sldIdLst>
     <p:sldId id="298" r:id="rId5"/>
     <p:sldId id="308" r:id="rId6"/>
-    <p:sldId id="301" r:id="rId7"/>
-    <p:sldId id="302" r:id="rId8"/>
-    <p:sldId id="303" r:id="rId9"/>
-    <p:sldId id="304" r:id="rId10"/>
-    <p:sldId id="305" r:id="rId11"/>
-    <p:sldId id="306" r:id="rId12"/>
-    <p:sldId id="307" r:id="rId13"/>
-    <p:sldId id="309" r:id="rId14"/>
+    <p:sldId id="310" r:id="rId7"/>
+    <p:sldId id="301" r:id="rId8"/>
+    <p:sldId id="302" r:id="rId9"/>
+    <p:sldId id="303" r:id="rId10"/>
+    <p:sldId id="304" r:id="rId11"/>
+    <p:sldId id="305" r:id="rId12"/>
+    <p:sldId id="306" r:id="rId13"/>
+    <p:sldId id="307" r:id="rId14"/>
+    <p:sldId id="309" r:id="rId15"/>
   </p:sldIdLst>
   <p:sldSz cx="12192000" cy="6858000"/>
   <p:notesSz cx="6858000" cy="9144000"/>
@@ -365,7 +366,7 @@
           <a:p>
             <a:fld id="{9184DA70-C731-4C70-880D-CCD4705E623C}" type="datetime1">
               <a:rPr lang="en-US" smtClean="0"/>
-              <a:t>3/24/2023</a:t>
+              <a:t>3/27/2023</a:t>
             </a:fld>
             <a:endParaRPr lang="en-US" dirty="0"/>
           </a:p>
@@ -553,7 +554,7 @@
           <a:p>
             <a:fld id="{4BE1D723-8F53-4F53-90B0-1982A396982E}" type="datetime1">
               <a:rPr lang="en-US" smtClean="0"/>
-              <a:t>3/24/2023</a:t>
+              <a:t>3/27/2023</a:t>
             </a:fld>
             <a:endParaRPr lang="en-US" dirty="0"/>
           </a:p>
@@ -926,7 +927,7 @@
           <a:p>
             <a:fld id="{97669AF7-7BEB-44E4-9852-375E34362B5B}" type="datetime1">
               <a:rPr lang="en-US" smtClean="0"/>
-              <a:t>3/24/2023</a:t>
+              <a:t>3/27/2023</a:t>
             </a:fld>
             <a:endParaRPr lang="en-US" dirty="0"/>
           </a:p>
@@ -1181,7 +1182,7 @@
           <a:p>
             <a:fld id="{BAAAC38D-0552-4C82-B593-E6124DFADBE2}" type="datetime1">
               <a:rPr lang="en-US" smtClean="0"/>
-              <a:t>3/24/2023</a:t>
+              <a:t>3/27/2023</a:t>
             </a:fld>
             <a:endParaRPr lang="en-US" dirty="0"/>
           </a:p>
@@ -1578,7 +1579,7 @@
           <a:p>
             <a:fld id="{D9DF0F1C-5577-4ACB-BB62-DF8F3C494C7E}" type="datetime1">
               <a:rPr lang="en-US" smtClean="0"/>
-              <a:t>3/24/2023</a:t>
+              <a:t>3/27/2023</a:t>
             </a:fld>
             <a:endParaRPr lang="en-US" dirty="0"/>
           </a:p>
@@ -1714,7 +1715,7 @@
           <a:p>
             <a:fld id="{1775B394-D9F9-4F0C-B15D-605F45CB9E9F}" type="datetime1">
               <a:rPr lang="en-US" smtClean="0"/>
-              <a:t>3/24/2023</a:t>
+              <a:t>3/27/2023</a:t>
             </a:fld>
             <a:endParaRPr lang="en-US" dirty="0"/>
           </a:p>
@@ -1871,7 +1872,7 @@
           <a:p>
             <a:fld id="{39667345-2558-425A-8533-9BFDBCE15005}" type="datetime1">
               <a:rPr lang="en-US" smtClean="0"/>
-              <a:t>3/24/2023</a:t>
+              <a:t>3/27/2023</a:t>
             </a:fld>
             <a:endParaRPr lang="en-US" dirty="0"/>
           </a:p>
@@ -2200,7 +2201,7 @@
           <a:p>
             <a:fld id="{92BEA474-078D-4E9B-9B14-09A87B19DC46}" type="datetime1">
               <a:rPr lang="en-US" smtClean="0"/>
-              <a:t>3/24/2023</a:t>
+              <a:t>3/27/2023</a:t>
             </a:fld>
             <a:endParaRPr lang="en-US" dirty="0"/>
           </a:p>
@@ -2550,7 +2551,7 @@
           <a:p>
             <a:fld id="{4907D986-8816-4272-A432-0437A28A9828}" type="datetime1">
               <a:rPr lang="en-US" smtClean="0"/>
-              <a:t>3/24/2023</a:t>
+              <a:t>3/27/2023</a:t>
             </a:fld>
             <a:endParaRPr lang="en-US" dirty="0"/>
           </a:p>
@@ -2811,7 +2812,7 @@
           <a:p>
             <a:fld id="{62D6E202-B606-4609-B914-27C9371A1F6D}" type="datetime1">
               <a:rPr lang="en-US" smtClean="0"/>
-              <a:t>3/24/2023</a:t>
+              <a:t>3/27/2023</a:t>
             </a:fld>
             <a:endParaRPr lang="en-US" dirty="0"/>
           </a:p>
@@ -3784,7 +3785,7 @@
           <p:cNvPr id="2" name="Title 1">
             <a:extLst>
               <a:ext uri="{FF2B5EF4-FFF2-40B4-BE49-F238E27FC236}">
-                <a16:creationId xmlns:a16="http://schemas.microsoft.com/office/drawing/2014/main" id="{3C129EE9-FD66-E218-E7CF-D2A6C0E10F0B}"/>
+                <a16:creationId xmlns:a16="http://schemas.microsoft.com/office/drawing/2014/main" id="{35D50A83-3134-84B3-8471-12AC2A1B6159}"/>
               </a:ext>
             </a:extLst>
           </p:cNvPr>
@@ -3802,7 +3803,125 @@
           <a:p>
             <a:r>
               <a:rPr lang="en-GB" dirty="0"/>
-              <a:t>Questions and suggestions</a:t>
+              <a:t>Exiting</a:t>
+            </a:r>
+            <a:endParaRPr lang="en-150" dirty="0"/>
+          </a:p>
+        </p:txBody>
+      </p:sp>
+      <p:pic>
+        <p:nvPicPr>
+          <p:cNvPr id="5" name="Picture 4">
+            <a:extLst>
+              <a:ext uri="{FF2B5EF4-FFF2-40B4-BE49-F238E27FC236}">
+                <a16:creationId xmlns:a16="http://schemas.microsoft.com/office/drawing/2014/main" id="{66043149-9453-5EF3-4577-FE02C2FE80E7}"/>
+              </a:ext>
+            </a:extLst>
+          </p:cNvPr>
+          <p:cNvPicPr>
+            <a:picLocks noChangeAspect="1"/>
+          </p:cNvPicPr>
+          <p:nvPr/>
+        </p:nvPicPr>
+        <p:blipFill>
+          <a:blip r:embed="rId2"/>
+          <a:stretch>
+            <a:fillRect/>
+          </a:stretch>
+        </p:blipFill>
+        <p:spPr>
+          <a:xfrm>
+            <a:off x="1080000" y="2160000"/>
+            <a:ext cx="4190698" cy="3600000"/>
+          </a:xfrm>
+          <a:prstGeom prst="rect">
+            <a:avLst/>
+          </a:prstGeom>
+        </p:spPr>
+      </p:pic>
+      <p:pic>
+        <p:nvPicPr>
+          <p:cNvPr id="7" name="Content Placeholder 4">
+            <a:extLst>
+              <a:ext uri="{FF2B5EF4-FFF2-40B4-BE49-F238E27FC236}">
+                <a16:creationId xmlns:a16="http://schemas.microsoft.com/office/drawing/2014/main" id="{34AEEDC3-3562-D377-8D68-F69597FD96DC}"/>
+              </a:ext>
+            </a:extLst>
+          </p:cNvPr>
+          <p:cNvPicPr>
+            <a:picLocks noChangeAspect="1"/>
+          </p:cNvPicPr>
+          <p:nvPr/>
+        </p:nvPicPr>
+        <p:blipFill rotWithShape="1">
+          <a:blip r:embed="rId3"/>
+          <a:srcRect l="59340" t="2622" r="12039" b="74847"/>
+          <a:stretch/>
+        </p:blipFill>
+        <p:spPr>
+          <a:xfrm>
+            <a:off x="4878440" y="4067916"/>
+            <a:ext cx="475488" cy="489577"/>
+          </a:xfrm>
+          <a:prstGeom prst="rect">
+            <a:avLst/>
+          </a:prstGeom>
+        </p:spPr>
+      </p:pic>
+    </p:spTree>
+    <p:extLst>
+      <p:ext uri="{BB962C8B-B14F-4D97-AF65-F5344CB8AC3E}">
+        <p14:creationId xmlns:p14="http://schemas.microsoft.com/office/powerpoint/2010/main" val="768037941"/>
+      </p:ext>
+    </p:extLst>
+  </p:cSld>
+  <p:clrMapOvr>
+    <a:masterClrMapping/>
+  </p:clrMapOvr>
+</p:sld>
+</file>
+
+<file path=ppt/slides/slide11.xml><?xml version="1.0" encoding="utf-8"?>
+<p:sld xmlns:a="http://schemas.openxmlformats.org/drawingml/2006/main" xmlns:r="http://schemas.openxmlformats.org/officeDocument/2006/relationships" xmlns:p="http://schemas.openxmlformats.org/presentationml/2006/main">
+  <p:cSld>
+    <p:spTree>
+      <p:nvGrpSpPr>
+        <p:cNvPr id="1" name=""/>
+        <p:cNvGrpSpPr/>
+        <p:nvPr/>
+      </p:nvGrpSpPr>
+      <p:grpSpPr>
+        <a:xfrm>
+          <a:off x="0" y="0"/>
+          <a:ext cx="0" cy="0"/>
+          <a:chOff x="0" y="0"/>
+          <a:chExt cx="0" cy="0"/>
+        </a:xfrm>
+      </p:grpSpPr>
+      <p:sp>
+        <p:nvSpPr>
+          <p:cNvPr id="2" name="Title 1">
+            <a:extLst>
+              <a:ext uri="{FF2B5EF4-FFF2-40B4-BE49-F238E27FC236}">
+                <a16:creationId xmlns:a16="http://schemas.microsoft.com/office/drawing/2014/main" id="{3C129EE9-FD66-E218-E7CF-D2A6C0E10F0B}"/>
+              </a:ext>
+            </a:extLst>
+          </p:cNvPr>
+          <p:cNvSpPr>
+            <a:spLocks noGrp="1"/>
+          </p:cNvSpPr>
+          <p:nvPr>
+            <p:ph type="title"/>
+          </p:nvPr>
+        </p:nvSpPr>
+        <p:spPr/>
+        <p:txBody>
+          <a:bodyPr/>
+          <a:lstStyle/>
+          <a:p>
+            <a:r>
+              <a:rPr lang="en-GB" dirty="0"/>
+              <a:t>Q &amp; A, feedback and suggestions</a:t>
             </a:r>
             <a:endParaRPr lang="en-150" dirty="0"/>
           </a:p>
@@ -3919,7 +4038,7 @@
                   <a:schemeClr val="accent1"/>
                 </a:solidFill>
               </a:rPr>
-              <a:t>Things that we shall be discussing</a:t>
+              <a:t>Things that we shall be discussing in this presentation</a:t>
             </a:r>
             <a:endParaRPr lang="en-150" sz="2000" dirty="0">
               <a:solidFill>
@@ -3956,7 +4075,7 @@
             </a:pPr>
             <a:r>
               <a:rPr lang="en-GB" dirty="0"/>
-              <a:t>How the user will be able to navigate through the interface to plot error ellipses</a:t>
+              <a:t> Why go for the first prototype? </a:t>
             </a:r>
           </a:p>
           <a:p>
@@ -3966,7 +4085,17 @@
             </a:pPr>
             <a:r>
               <a:rPr lang="en-GB" dirty="0"/>
-              <a:t>How the user will be able to save the data</a:t>
+              <a:t> How the user will be able to navigate through the interface to plot error ellipses</a:t>
+            </a:r>
+          </a:p>
+          <a:p>
+            <a:pPr>
+              <a:buFont typeface="Wingdings" panose="05000000000000000000" pitchFamily="2" charset="2"/>
+              <a:buChar char="q"/>
+            </a:pPr>
+            <a:r>
+              <a:rPr lang="en-GB" dirty="0"/>
+              <a:t> How the user will be able to save the data</a:t>
             </a:r>
             <a:endParaRPr lang="en-150" dirty="0"/>
           </a:p>
@@ -4004,10 +4133,39 @@
       </p:grpSpPr>
       <p:sp>
         <p:nvSpPr>
-          <p:cNvPr id="4" name="Content Placeholder 3">
-            <a:extLst>
-              <a:ext uri="{FF2B5EF4-FFF2-40B4-BE49-F238E27FC236}">
-                <a16:creationId xmlns:a16="http://schemas.microsoft.com/office/drawing/2014/main" id="{0C1A3531-861E-97C9-71AF-62BE69B83172}"/>
+          <p:cNvPr id="2" name="Title 1">
+            <a:extLst>
+              <a:ext uri="{FF2B5EF4-FFF2-40B4-BE49-F238E27FC236}">
+                <a16:creationId xmlns:a16="http://schemas.microsoft.com/office/drawing/2014/main" id="{EFAEEC58-2E8D-0204-602D-3D7F7C984196}"/>
+              </a:ext>
+            </a:extLst>
+          </p:cNvPr>
+          <p:cNvSpPr>
+            <a:spLocks noGrp="1"/>
+          </p:cNvSpPr>
+          <p:nvPr>
+            <p:ph type="title"/>
+          </p:nvPr>
+        </p:nvSpPr>
+        <p:spPr/>
+        <p:txBody>
+          <a:bodyPr/>
+          <a:lstStyle/>
+          <a:p>
+            <a:r>
+              <a:rPr lang="en-GB" dirty="0"/>
+              <a:t>Why go for the first prototype?</a:t>
+            </a:r>
+            <a:endParaRPr lang="en-150" dirty="0"/>
+          </a:p>
+        </p:txBody>
+      </p:sp>
+      <p:sp>
+        <p:nvSpPr>
+          <p:cNvPr id="3" name="Content Placeholder 2">
+            <a:extLst>
+              <a:ext uri="{FF2B5EF4-FFF2-40B4-BE49-F238E27FC236}">
+                <a16:creationId xmlns:a16="http://schemas.microsoft.com/office/drawing/2014/main" id="{6EE3C7E7-C532-15A4-057F-C0885DDA74CA}"/>
               </a:ext>
             </a:extLst>
           </p:cNvPr>
@@ -4018,16 +4176,9 @@
             <p:ph idx="1"/>
           </p:nvPr>
         </p:nvSpPr>
-        <p:spPr>
-          <a:xfrm>
-            <a:off x="1261872" y="2083817"/>
-            <a:ext cx="4834128" cy="3760891"/>
-          </a:xfrm>
-        </p:spPr>
-        <p:txBody>
-          <a:bodyPr>
-            <a:normAutofit/>
-          </a:bodyPr>
+        <p:spPr/>
+        <p:txBody>
+          <a:bodyPr/>
           <a:lstStyle/>
           <a:p>
             <a:pPr>
@@ -4036,7 +4187,7 @@
             </a:pPr>
             <a:r>
               <a:rPr lang="en-GB" dirty="0"/>
-              <a:t> This is the main interface</a:t>
+              <a:t> Buttons are always visible to the client and not hidden behind the menu bar.</a:t>
             </a:r>
           </a:p>
           <a:p>
@@ -4046,155 +4197,45 @@
             </a:pPr>
             <a:r>
               <a:rPr lang="en-GB" dirty="0"/>
-              <a:t> User can:</a:t>
-            </a:r>
-          </a:p>
-          <a:p>
-            <a:pPr lvl="1">
+              <a:t> The interface is easier to use.</a:t>
+            </a:r>
+          </a:p>
+          <a:p>
+            <a:pPr>
               <a:buFont typeface="Wingdings" panose="05000000000000000000" pitchFamily="2" charset="2"/>
               <a:buChar char="q"/>
             </a:pPr>
             <a:r>
               <a:rPr lang="en-GB" dirty="0"/>
-              <a:t>Import covariance matrix</a:t>
-            </a:r>
-          </a:p>
-          <a:p>
-            <a:pPr lvl="1">
+              <a:t> More user friendly.</a:t>
+            </a:r>
+          </a:p>
+          <a:p>
+            <a:pPr>
               <a:buFont typeface="Wingdings" panose="05000000000000000000" pitchFamily="2" charset="2"/>
               <a:buChar char="q"/>
             </a:pPr>
             <a:r>
               <a:rPr lang="en-GB" dirty="0"/>
-              <a:t>Import variables</a:t>
-            </a:r>
-          </a:p>
-          <a:p>
-            <a:pPr lvl="1">
+              <a:t> Better design.</a:t>
+            </a:r>
+          </a:p>
+          <a:p>
+            <a:pPr>
               <a:buFont typeface="Wingdings" panose="05000000000000000000" pitchFamily="2" charset="2"/>
               <a:buChar char="q"/>
             </a:pPr>
             <a:r>
               <a:rPr lang="en-GB" dirty="0"/>
-              <a:t>Save the plotted data</a:t>
-            </a:r>
-          </a:p>
-          <a:p>
-            <a:pPr lvl="1">
-              <a:buFont typeface="Wingdings" panose="05000000000000000000" pitchFamily="2" charset="2"/>
-              <a:buChar char="q"/>
-            </a:pPr>
-            <a:r>
-              <a:rPr lang="en-GB" dirty="0"/>
-              <a:t>Plot the data</a:t>
-            </a:r>
-          </a:p>
-          <a:p>
-            <a:pPr lvl="1">
-              <a:buFont typeface="Wingdings" panose="05000000000000000000" pitchFamily="2" charset="2"/>
-              <a:buChar char="q"/>
-            </a:pPr>
-            <a:r>
-              <a:rPr lang="en-GB" dirty="0"/>
-              <a:t>Exit the program</a:t>
-            </a:r>
-          </a:p>
-          <a:p>
-            <a:pPr lvl="1">
-              <a:buFont typeface="Wingdings" panose="05000000000000000000" pitchFamily="2" charset="2"/>
-              <a:buChar char="q"/>
-            </a:pPr>
-            <a:r>
-              <a:rPr lang="en-GB" dirty="0"/>
-              <a:t>Enter the parameter combinations for X and Y</a:t>
-            </a:r>
-          </a:p>
-          <a:p>
-            <a:pPr lvl="1">
-              <a:buFont typeface="Wingdings" panose="05000000000000000000" pitchFamily="2" charset="2"/>
-              <a:buChar char="q"/>
-            </a:pPr>
-            <a:r>
-              <a:rPr lang="en-GB" dirty="0"/>
-              <a:t>Enter the centre for the ellipses</a:t>
-            </a:r>
-          </a:p>
-          <a:p>
-            <a:pPr lvl="1">
-              <a:buFont typeface="Wingdings" panose="05000000000000000000" pitchFamily="2" charset="2"/>
-              <a:buChar char="q"/>
-            </a:pPr>
-            <a:r>
-              <a:rPr lang="en-GB" dirty="0"/>
-              <a:t>Enter confidence level</a:t>
-            </a:r>
-            <a:endParaRPr lang="en-150" dirty="0"/>
-          </a:p>
-        </p:txBody>
-      </p:sp>
-      <p:sp>
-        <p:nvSpPr>
-          <p:cNvPr id="2" name="Title 1">
-            <a:extLst>
-              <a:ext uri="{FF2B5EF4-FFF2-40B4-BE49-F238E27FC236}">
-                <a16:creationId xmlns:a16="http://schemas.microsoft.com/office/drawing/2014/main" id="{35D50A83-3134-84B3-8471-12AC2A1B6159}"/>
-              </a:ext>
-            </a:extLst>
-          </p:cNvPr>
-          <p:cNvSpPr>
-            <a:spLocks noGrp="1"/>
-          </p:cNvSpPr>
-          <p:nvPr>
-            <p:ph type="title"/>
-          </p:nvPr>
-        </p:nvSpPr>
-        <p:spPr/>
-        <p:txBody>
-          <a:bodyPr/>
-          <a:lstStyle/>
-          <a:p>
-            <a:r>
-              <a:rPr lang="en-GB" dirty="0"/>
-              <a:t>Interface</a:t>
-            </a:r>
-            <a:endParaRPr lang="en-150" dirty="0"/>
-          </a:p>
-        </p:txBody>
-      </p:sp>
-      <p:pic>
-        <p:nvPicPr>
-          <p:cNvPr id="15" name="Picture 14">
-            <a:extLst>
-              <a:ext uri="{FF2B5EF4-FFF2-40B4-BE49-F238E27FC236}">
-                <a16:creationId xmlns:a16="http://schemas.microsoft.com/office/drawing/2014/main" id="{E0ADD749-1A33-A204-F0BD-0DEDC7C5B895}"/>
-              </a:ext>
-            </a:extLst>
-          </p:cNvPr>
-          <p:cNvPicPr>
-            <a:picLocks noChangeAspect="1"/>
-          </p:cNvPicPr>
-          <p:nvPr/>
-        </p:nvPicPr>
-        <p:blipFill>
-          <a:blip r:embed="rId2"/>
-          <a:stretch>
-            <a:fillRect/>
-          </a:stretch>
-        </p:blipFill>
-        <p:spPr>
-          <a:xfrm>
-            <a:off x="6840000" y="2160000"/>
-            <a:ext cx="4172833" cy="3600000"/>
-          </a:xfrm>
-          <a:prstGeom prst="rect">
-            <a:avLst/>
-          </a:prstGeom>
-        </p:spPr>
-      </p:pic>
+              <a:t> Aligned better with the goals required.</a:t>
+            </a:r>
+          </a:p>
+        </p:txBody>
+      </p:sp>
     </p:spTree>
     <p:extLst>
       <p:ext uri="{BB962C8B-B14F-4D97-AF65-F5344CB8AC3E}">
-        <p14:creationId xmlns:p14="http://schemas.microsoft.com/office/powerpoint/2010/main" val="3264644410"/>
+        <p14:creationId xmlns:p14="http://schemas.microsoft.com/office/powerpoint/2010/main" val="474672901"/>
       </p:ext>
     </p:extLst>
   </p:cSld>
@@ -4223,10 +4264,140 @@
       </p:grpSpPr>
       <p:sp>
         <p:nvSpPr>
+          <p:cNvPr id="4" name="Content Placeholder 3">
+            <a:extLst>
+              <a:ext uri="{FF2B5EF4-FFF2-40B4-BE49-F238E27FC236}">
+                <a16:creationId xmlns:a16="http://schemas.microsoft.com/office/drawing/2014/main" id="{0C1A3531-861E-97C9-71AF-62BE69B83172}"/>
+              </a:ext>
+            </a:extLst>
+          </p:cNvPr>
+          <p:cNvSpPr>
+            <a:spLocks noGrp="1"/>
+          </p:cNvSpPr>
+          <p:nvPr>
+            <p:ph idx="1"/>
+          </p:nvPr>
+        </p:nvSpPr>
+        <p:spPr>
+          <a:xfrm>
+            <a:off x="1261872" y="2083817"/>
+            <a:ext cx="4834128" cy="3760891"/>
+          </a:xfrm>
+        </p:spPr>
+        <p:txBody>
+          <a:bodyPr>
+            <a:normAutofit/>
+          </a:bodyPr>
+          <a:lstStyle/>
+          <a:p>
+            <a:pPr>
+              <a:buFont typeface="Wingdings" panose="05000000000000000000" pitchFamily="2" charset="2"/>
+              <a:buChar char="q"/>
+            </a:pPr>
+            <a:r>
+              <a:rPr lang="en-GB" dirty="0"/>
+              <a:t> This is the main interface</a:t>
+            </a:r>
+          </a:p>
+          <a:p>
+            <a:pPr>
+              <a:buFont typeface="Wingdings" panose="05000000000000000000" pitchFamily="2" charset="2"/>
+              <a:buChar char="q"/>
+            </a:pPr>
+            <a:r>
+              <a:rPr lang="en-GB" dirty="0"/>
+              <a:t> User can:</a:t>
+            </a:r>
+          </a:p>
+          <a:p>
+            <a:pPr lvl="1">
+              <a:buFont typeface="Wingdings" panose="05000000000000000000" pitchFamily="2" charset="2"/>
+              <a:buChar char="q"/>
+            </a:pPr>
+            <a:r>
+              <a:rPr lang="en-GB" dirty="0"/>
+              <a:t>Import covariance matrix</a:t>
+            </a:r>
+          </a:p>
+          <a:p>
+            <a:pPr lvl="1">
+              <a:buFont typeface="Wingdings" panose="05000000000000000000" pitchFamily="2" charset="2"/>
+              <a:buChar char="q"/>
+            </a:pPr>
+            <a:r>
+              <a:rPr lang="en-GB" dirty="0"/>
+              <a:t>Import variables</a:t>
+            </a:r>
+          </a:p>
+          <a:p>
+            <a:pPr lvl="1">
+              <a:buFont typeface="Wingdings" panose="05000000000000000000" pitchFamily="2" charset="2"/>
+              <a:buChar char="q"/>
+            </a:pPr>
+            <a:r>
+              <a:rPr lang="en-GB" dirty="0"/>
+              <a:t>Save the plotted data</a:t>
+            </a:r>
+          </a:p>
+          <a:p>
+            <a:pPr lvl="1">
+              <a:buFont typeface="Wingdings" panose="05000000000000000000" pitchFamily="2" charset="2"/>
+              <a:buChar char="q"/>
+            </a:pPr>
+            <a:r>
+              <a:rPr lang="en-GB" dirty="0"/>
+              <a:t>Plot the data</a:t>
+            </a:r>
+          </a:p>
+          <a:p>
+            <a:pPr lvl="1">
+              <a:buFont typeface="Wingdings" panose="05000000000000000000" pitchFamily="2" charset="2"/>
+              <a:buChar char="q"/>
+            </a:pPr>
+            <a:r>
+              <a:rPr lang="en-GB" dirty="0"/>
+              <a:t>Exit the program</a:t>
+            </a:r>
+          </a:p>
+          <a:p>
+            <a:pPr lvl="1">
+              <a:buFont typeface="Wingdings" panose="05000000000000000000" pitchFamily="2" charset="2"/>
+              <a:buChar char="q"/>
+            </a:pPr>
+            <a:r>
+              <a:rPr lang="en-GB" dirty="0"/>
+              <a:t>Enter the parameter combinations for X and Y</a:t>
+            </a:r>
+          </a:p>
+          <a:p>
+            <a:pPr lvl="1">
+              <a:buFont typeface="Wingdings" panose="05000000000000000000" pitchFamily="2" charset="2"/>
+              <a:buChar char="q"/>
+            </a:pPr>
+            <a:r>
+              <a:rPr lang="en-GB" dirty="0"/>
+              <a:t>Enter the centre for the ellipses</a:t>
+            </a:r>
+          </a:p>
+          <a:p>
+            <a:pPr lvl="1">
+              <a:buFont typeface="Wingdings" panose="05000000000000000000" pitchFamily="2" charset="2"/>
+              <a:buChar char="q"/>
+            </a:pPr>
+            <a:r>
+              <a:rPr lang="en-GB" dirty="0"/>
+              <a:t>Enter confidence level</a:t>
+            </a:r>
+            <a:endParaRPr lang="en-150" dirty="0"/>
+          </a:p>
+        </p:txBody>
+      </p:sp>
+      <p:sp>
+        <p:nvSpPr>
           <p:cNvPr id="2" name="Title 1">
             <a:extLst>
               <a:ext uri="{FF2B5EF4-FFF2-40B4-BE49-F238E27FC236}">
-                <a16:creationId xmlns:a16="http://schemas.microsoft.com/office/drawing/2014/main" id="{17460BAC-1483-48B8-A219-B671AB72B04F}"/>
+                <a16:creationId xmlns:a16="http://schemas.microsoft.com/office/drawing/2014/main" id="{35D50A83-3134-84B3-8471-12AC2A1B6159}"/>
               </a:ext>
             </a:extLst>
           </p:cNvPr>
@@ -4244,7 +4415,7 @@
           <a:p>
             <a:r>
               <a:rPr lang="en-GB" dirty="0"/>
-              <a:t>Importing the matrix</a:t>
+              <a:t>Interface</a:t>
             </a:r>
             <a:endParaRPr lang="en-150" dirty="0"/>
           </a:p>
@@ -4252,10 +4423,10 @@
       </p:sp>
       <p:pic>
         <p:nvPicPr>
-          <p:cNvPr id="6" name="Picture 5">
-            <a:extLst>
-              <a:ext uri="{FF2B5EF4-FFF2-40B4-BE49-F238E27FC236}">
-                <a16:creationId xmlns:a16="http://schemas.microsoft.com/office/drawing/2014/main" id="{E9EAF147-7354-1ED6-967C-DC10D14EDA3F}"/>
+          <p:cNvPr id="15" name="Picture 14">
+            <a:extLst>
+              <a:ext uri="{FF2B5EF4-FFF2-40B4-BE49-F238E27FC236}">
+                <a16:creationId xmlns:a16="http://schemas.microsoft.com/office/drawing/2014/main" id="{E0ADD749-1A33-A204-F0BD-0DEDC7C5B895}"/>
               </a:ext>
             </a:extLst>
           </p:cNvPr>
@@ -4272,96 +4443,8 @@
         </p:blipFill>
         <p:spPr>
           <a:xfrm>
-            <a:off x="1080000" y="2160000"/>
-            <a:ext cx="4202334" cy="3600000"/>
-          </a:xfrm>
-          <a:prstGeom prst="rect">
-            <a:avLst/>
-          </a:prstGeom>
-        </p:spPr>
-      </p:pic>
-      <p:pic>
-        <p:nvPicPr>
-          <p:cNvPr id="10" name="Picture 9">
-            <a:extLst>
-              <a:ext uri="{FF2B5EF4-FFF2-40B4-BE49-F238E27FC236}">
-                <a16:creationId xmlns:a16="http://schemas.microsoft.com/office/drawing/2014/main" id="{2E4FE0A9-38DD-F615-F386-59F8CAAA4B8F}"/>
-              </a:ext>
-            </a:extLst>
-          </p:cNvPr>
-          <p:cNvPicPr>
-            <a:picLocks noChangeAspect="1"/>
-          </p:cNvPicPr>
-          <p:nvPr/>
-        </p:nvPicPr>
-        <p:blipFill>
-          <a:blip r:embed="rId3"/>
-          <a:stretch>
-            <a:fillRect/>
-          </a:stretch>
-        </p:blipFill>
-        <p:spPr>
-          <a:xfrm>
             <a:off x="6840000" y="2160000"/>
-            <a:ext cx="4196891" cy="3600000"/>
-          </a:xfrm>
-          <a:prstGeom prst="rect">
-            <a:avLst/>
-          </a:prstGeom>
-        </p:spPr>
-      </p:pic>
-      <p:pic>
-        <p:nvPicPr>
-          <p:cNvPr id="12" name="Content Placeholder 4">
-            <a:extLst>
-              <a:ext uri="{FF2B5EF4-FFF2-40B4-BE49-F238E27FC236}">
-                <a16:creationId xmlns:a16="http://schemas.microsoft.com/office/drawing/2014/main" id="{90FBE327-7F65-5DC8-5259-2B0ACD22D66F}"/>
-              </a:ext>
-            </a:extLst>
-          </p:cNvPr>
-          <p:cNvPicPr>
-            <a:picLocks noChangeAspect="1"/>
-          </p:cNvPicPr>
-          <p:nvPr/>
-        </p:nvPicPr>
-        <p:blipFill rotWithShape="1">
-          <a:blip r:embed="rId4"/>
-          <a:srcRect l="59340" t="2622" r="12039" b="74847"/>
-          <a:stretch/>
-        </p:blipFill>
-        <p:spPr>
-          <a:xfrm>
-            <a:off x="10519880" y="3514175"/>
-            <a:ext cx="475488" cy="489577"/>
-          </a:xfrm>
-          <a:prstGeom prst="rect">
-            <a:avLst/>
-          </a:prstGeom>
-        </p:spPr>
-      </p:pic>
-      <p:pic>
-        <p:nvPicPr>
-          <p:cNvPr id="16" name="Content Placeholder 4">
-            <a:extLst>
-              <a:ext uri="{FF2B5EF4-FFF2-40B4-BE49-F238E27FC236}">
-                <a16:creationId xmlns:a16="http://schemas.microsoft.com/office/drawing/2014/main" id="{98E434A7-D3A7-DA08-B12D-2938F3998406}"/>
-              </a:ext>
-            </a:extLst>
-          </p:cNvPr>
-          <p:cNvPicPr>
-            <a:picLocks noChangeAspect="1"/>
-          </p:cNvPicPr>
-          <p:nvPr/>
-        </p:nvPicPr>
-        <p:blipFill rotWithShape="1">
-          <a:blip r:embed="rId4"/>
-          <a:srcRect l="59340" t="2622" r="12039" b="74847"/>
-          <a:stretch/>
-        </p:blipFill>
-        <p:spPr>
-          <a:xfrm>
-            <a:off x="4900550" y="2596052"/>
-            <a:ext cx="475488" cy="489577"/>
+            <a:ext cx="4172833" cy="3600000"/>
           </a:xfrm>
           <a:prstGeom prst="rect">
             <a:avLst/>
@@ -4371,7 +4454,7 @@
     </p:spTree>
     <p:extLst>
       <p:ext uri="{BB962C8B-B14F-4D97-AF65-F5344CB8AC3E}">
-        <p14:creationId xmlns:p14="http://schemas.microsoft.com/office/powerpoint/2010/main" val="663302336"/>
+        <p14:creationId xmlns:p14="http://schemas.microsoft.com/office/powerpoint/2010/main" val="3264644410"/>
       </p:ext>
     </p:extLst>
   </p:cSld>
@@ -4403,7 +4486,7 @@
           <p:cNvPr id="2" name="Title 1">
             <a:extLst>
               <a:ext uri="{FF2B5EF4-FFF2-40B4-BE49-F238E27FC236}">
-                <a16:creationId xmlns:a16="http://schemas.microsoft.com/office/drawing/2014/main" id="{35D50A83-3134-84B3-8471-12AC2A1B6159}"/>
+                <a16:creationId xmlns:a16="http://schemas.microsoft.com/office/drawing/2014/main" id="{17460BAC-1483-48B8-A219-B671AB72B04F}"/>
               </a:ext>
             </a:extLst>
           </p:cNvPr>
@@ -4421,7 +4504,7 @@
           <a:p>
             <a:r>
               <a:rPr lang="en-GB" dirty="0"/>
-              <a:t>Importing the variables</a:t>
+              <a:t>Importing the matrix</a:t>
             </a:r>
             <a:endParaRPr lang="en-150" dirty="0"/>
           </a:p>
@@ -4429,10 +4512,10 @@
       </p:sp>
       <p:pic>
         <p:nvPicPr>
-          <p:cNvPr id="9" name="Picture 8">
-            <a:extLst>
-              <a:ext uri="{FF2B5EF4-FFF2-40B4-BE49-F238E27FC236}">
-                <a16:creationId xmlns:a16="http://schemas.microsoft.com/office/drawing/2014/main" id="{22270EF8-D9A1-1FCE-7F31-95CA58F95DD1}"/>
+          <p:cNvPr id="6" name="Picture 5">
+            <a:extLst>
+              <a:ext uri="{FF2B5EF4-FFF2-40B4-BE49-F238E27FC236}">
+                <a16:creationId xmlns:a16="http://schemas.microsoft.com/office/drawing/2014/main" id="{E9EAF147-7354-1ED6-967C-DC10D14EDA3F}"/>
               </a:ext>
             </a:extLst>
           </p:cNvPr>
@@ -4450,7 +4533,7 @@
         <p:spPr>
           <a:xfrm>
             <a:off x="1080000" y="2160000"/>
-            <a:ext cx="4182902" cy="3600000"/>
+            <a:ext cx="4202334" cy="3600000"/>
           </a:xfrm>
           <a:prstGeom prst="rect">
             <a:avLst/>
@@ -4459,10 +4542,10 @@
       </p:pic>
       <p:pic>
         <p:nvPicPr>
-          <p:cNvPr id="11" name="Picture 10">
-            <a:extLst>
-              <a:ext uri="{FF2B5EF4-FFF2-40B4-BE49-F238E27FC236}">
-                <a16:creationId xmlns:a16="http://schemas.microsoft.com/office/drawing/2014/main" id="{3F728706-89FC-AFE0-E6C0-774E32D06723}"/>
+          <p:cNvPr id="10" name="Picture 9">
+            <a:extLst>
+              <a:ext uri="{FF2B5EF4-FFF2-40B4-BE49-F238E27FC236}">
+                <a16:creationId xmlns:a16="http://schemas.microsoft.com/office/drawing/2014/main" id="{2E4FE0A9-38DD-F615-F386-59F8CAAA4B8F}"/>
               </a:ext>
             </a:extLst>
           </p:cNvPr>
@@ -4480,7 +4563,7 @@
         <p:spPr>
           <a:xfrm>
             <a:off x="6840000" y="2160000"/>
-            <a:ext cx="4189857" cy="3600000"/>
+            <a:ext cx="4196891" cy="3600000"/>
           </a:xfrm>
           <a:prstGeom prst="rect">
             <a:avLst/>
@@ -4492,7 +4575,7 @@
           <p:cNvPr id="12" name="Content Placeholder 4">
             <a:extLst>
               <a:ext uri="{FF2B5EF4-FFF2-40B4-BE49-F238E27FC236}">
-                <a16:creationId xmlns:a16="http://schemas.microsoft.com/office/drawing/2014/main" id="{448EBCD5-B0D1-5147-9982-34C7F6063FBE}"/>
+                <a16:creationId xmlns:a16="http://schemas.microsoft.com/office/drawing/2014/main" id="{90FBE327-7F65-5DC8-5259-2B0ACD22D66F}"/>
               </a:ext>
             </a:extLst>
           </p:cNvPr>
@@ -4508,7 +4591,7 @@
         </p:blipFill>
         <p:spPr>
           <a:xfrm>
-            <a:off x="4900550" y="2939423"/>
+            <a:off x="10519880" y="3514175"/>
             <a:ext cx="475488" cy="489577"/>
           </a:xfrm>
           <a:prstGeom prst="rect">
@@ -4518,10 +4601,10 @@
       </p:pic>
       <p:pic>
         <p:nvPicPr>
-          <p:cNvPr id="13" name="Content Placeholder 4">
-            <a:extLst>
-              <a:ext uri="{FF2B5EF4-FFF2-40B4-BE49-F238E27FC236}">
-                <a16:creationId xmlns:a16="http://schemas.microsoft.com/office/drawing/2014/main" id="{20ED3A3D-132A-682D-40F9-8568B593377A}"/>
+          <p:cNvPr id="16" name="Content Placeholder 4">
+            <a:extLst>
+              <a:ext uri="{FF2B5EF4-FFF2-40B4-BE49-F238E27FC236}">
+                <a16:creationId xmlns:a16="http://schemas.microsoft.com/office/drawing/2014/main" id="{98E434A7-D3A7-DA08-B12D-2938F3998406}"/>
               </a:ext>
             </a:extLst>
           </p:cNvPr>
@@ -4537,7 +4620,7 @@
         </p:blipFill>
         <p:spPr>
           <a:xfrm>
-            <a:off x="10470200" y="3504711"/>
+            <a:off x="4900550" y="2596052"/>
             <a:ext cx="475488" cy="489577"/>
           </a:xfrm>
           <a:prstGeom prst="rect">
@@ -4548,7 +4631,7 @@
     </p:spTree>
     <p:extLst>
       <p:ext uri="{BB962C8B-B14F-4D97-AF65-F5344CB8AC3E}">
-        <p14:creationId xmlns:p14="http://schemas.microsoft.com/office/powerpoint/2010/main" val="3578662351"/>
+        <p14:creationId xmlns:p14="http://schemas.microsoft.com/office/powerpoint/2010/main" val="663302336"/>
       </p:ext>
     </p:extLst>
   </p:cSld>
@@ -4598,7 +4681,7 @@
           <a:p>
             <a:r>
               <a:rPr lang="en-GB" dirty="0"/>
-              <a:t>Setting the parameters</a:t>
+              <a:t>Importing the variables</a:t>
             </a:r>
             <a:endParaRPr lang="en-150" dirty="0"/>
           </a:p>
@@ -4606,10 +4689,10 @@
       </p:sp>
       <p:pic>
         <p:nvPicPr>
-          <p:cNvPr id="5" name="Picture 4">
-            <a:extLst>
-              <a:ext uri="{FF2B5EF4-FFF2-40B4-BE49-F238E27FC236}">
-                <a16:creationId xmlns:a16="http://schemas.microsoft.com/office/drawing/2014/main" id="{990BDAF2-1BAC-D3AC-DC5B-94294BE2C18B}"/>
+          <p:cNvPr id="9" name="Picture 8">
+            <a:extLst>
+              <a:ext uri="{FF2B5EF4-FFF2-40B4-BE49-F238E27FC236}">
+                <a16:creationId xmlns:a16="http://schemas.microsoft.com/office/drawing/2014/main" id="{22270EF8-D9A1-1FCE-7F31-95CA58F95DD1}"/>
               </a:ext>
             </a:extLst>
           </p:cNvPr>
@@ -4627,7 +4710,7 @@
         <p:spPr>
           <a:xfrm>
             <a:off x="1080000" y="2160000"/>
-            <a:ext cx="3572209" cy="3060193"/>
+            <a:ext cx="4182902" cy="3600000"/>
           </a:xfrm>
           <a:prstGeom prst="rect">
             <a:avLst/>
@@ -4636,10 +4719,10 @@
       </p:pic>
       <p:pic>
         <p:nvPicPr>
-          <p:cNvPr id="8" name="Picture 7">
-            <a:extLst>
-              <a:ext uri="{FF2B5EF4-FFF2-40B4-BE49-F238E27FC236}">
-                <a16:creationId xmlns:a16="http://schemas.microsoft.com/office/drawing/2014/main" id="{C0E59641-99B5-0A72-AB39-B1F045900FB2}"/>
+          <p:cNvPr id="11" name="Picture 10">
+            <a:extLst>
+              <a:ext uri="{FF2B5EF4-FFF2-40B4-BE49-F238E27FC236}">
+                <a16:creationId xmlns:a16="http://schemas.microsoft.com/office/drawing/2014/main" id="{3F728706-89FC-AFE0-E6C0-774E32D06723}"/>
               </a:ext>
             </a:extLst>
           </p:cNvPr>
@@ -4657,7 +4740,7 @@
         <p:spPr>
           <a:xfrm>
             <a:off x="6840000" y="2160000"/>
-            <a:ext cx="4186804" cy="3600000"/>
+            <a:ext cx="4189857" cy="3600000"/>
           </a:xfrm>
           <a:prstGeom prst="rect">
             <a:avLst/>
@@ -4666,10 +4749,10 @@
       </p:pic>
       <p:pic>
         <p:nvPicPr>
-          <p:cNvPr id="9" name="Content Placeholder 4">
-            <a:extLst>
-              <a:ext uri="{FF2B5EF4-FFF2-40B4-BE49-F238E27FC236}">
-                <a16:creationId xmlns:a16="http://schemas.microsoft.com/office/drawing/2014/main" id="{17975306-9099-32C9-2276-BB6A27EF939A}"/>
+          <p:cNvPr id="12" name="Content Placeholder 4">
+            <a:extLst>
+              <a:ext uri="{FF2B5EF4-FFF2-40B4-BE49-F238E27FC236}">
+                <a16:creationId xmlns:a16="http://schemas.microsoft.com/office/drawing/2014/main" id="{448EBCD5-B0D1-5147-9982-34C7F6063FBE}"/>
               </a:ext>
             </a:extLst>
           </p:cNvPr>
@@ -4685,7 +4768,7 @@
         </p:blipFill>
         <p:spPr>
           <a:xfrm>
-            <a:off x="2194560" y="4270268"/>
+            <a:off x="4900550" y="2939423"/>
             <a:ext cx="475488" cy="489577"/>
           </a:xfrm>
           <a:prstGeom prst="rect">
@@ -4695,10 +4778,10 @@
       </p:pic>
       <p:pic>
         <p:nvPicPr>
-          <p:cNvPr id="10" name="Picture 9">
-            <a:extLst>
-              <a:ext uri="{FF2B5EF4-FFF2-40B4-BE49-F238E27FC236}">
-                <a16:creationId xmlns:a16="http://schemas.microsoft.com/office/drawing/2014/main" id="{090FB4CC-B3E7-ACD8-4E78-78DBCB56DCAC}"/>
+          <p:cNvPr id="13" name="Content Placeholder 4">
+            <a:extLst>
+              <a:ext uri="{FF2B5EF4-FFF2-40B4-BE49-F238E27FC236}">
+                <a16:creationId xmlns:a16="http://schemas.microsoft.com/office/drawing/2014/main" id="{20ED3A3D-132A-682D-40F9-8568B593377A}"/>
               </a:ext>
             </a:extLst>
           </p:cNvPr>
@@ -4707,16 +4790,15 @@
           </p:cNvPicPr>
           <p:nvPr/>
         </p:nvPicPr>
-        <p:blipFill>
-          <a:blip r:embed="rId5"/>
-          <a:stretch>
-            <a:fillRect/>
-          </a:stretch>
+        <p:blipFill rotWithShape="1">
+          <a:blip r:embed="rId4"/>
+          <a:srcRect l="59340" t="2622" r="12039" b="74847"/>
+          <a:stretch/>
         </p:blipFill>
         <p:spPr>
           <a:xfrm>
-            <a:off x="1365504" y="5053554"/>
-            <a:ext cx="2880569" cy="1350267"/>
+            <a:off x="10482392" y="3504711"/>
+            <a:ext cx="475488" cy="489577"/>
           </a:xfrm>
           <a:prstGeom prst="rect">
             <a:avLst/>
@@ -4726,7 +4808,7 @@
     </p:spTree>
     <p:extLst>
       <p:ext uri="{BB962C8B-B14F-4D97-AF65-F5344CB8AC3E}">
-        <p14:creationId xmlns:p14="http://schemas.microsoft.com/office/powerpoint/2010/main" val="920565319"/>
+        <p14:creationId xmlns:p14="http://schemas.microsoft.com/office/powerpoint/2010/main" val="3578662351"/>
       </p:ext>
     </p:extLst>
   </p:cSld>
@@ -4758,7 +4840,7 @@
           <p:cNvPr id="2" name="Title 1">
             <a:extLst>
               <a:ext uri="{FF2B5EF4-FFF2-40B4-BE49-F238E27FC236}">
-                <a16:creationId xmlns:a16="http://schemas.microsoft.com/office/drawing/2014/main" id="{D9A95033-6EC1-2D9A-45D6-EC7B1B442F92}"/>
+                <a16:creationId xmlns:a16="http://schemas.microsoft.com/office/drawing/2014/main" id="{35D50A83-3134-84B3-8471-12AC2A1B6159}"/>
               </a:ext>
             </a:extLst>
           </p:cNvPr>
@@ -4776,7 +4858,7 @@
           <a:p>
             <a:r>
               <a:rPr lang="en-GB" dirty="0"/>
-              <a:t>Plotting</a:t>
+              <a:t>Setting the parameters</a:t>
             </a:r>
             <a:endParaRPr lang="en-150" dirty="0"/>
           </a:p>
@@ -4784,10 +4866,10 @@
       </p:sp>
       <p:pic>
         <p:nvPicPr>
-          <p:cNvPr id="3" name="Picture 2">
-            <a:extLst>
-              <a:ext uri="{FF2B5EF4-FFF2-40B4-BE49-F238E27FC236}">
-                <a16:creationId xmlns:a16="http://schemas.microsoft.com/office/drawing/2014/main" id="{0DAFAF76-1C8B-ADD8-BFB5-CAD719D722EF}"/>
+          <p:cNvPr id="5" name="Picture 4">
+            <a:extLst>
+              <a:ext uri="{FF2B5EF4-FFF2-40B4-BE49-F238E27FC236}">
+                <a16:creationId xmlns:a16="http://schemas.microsoft.com/office/drawing/2014/main" id="{990BDAF2-1BAC-D3AC-DC5B-94294BE2C18B}"/>
               </a:ext>
             </a:extLst>
           </p:cNvPr>
@@ -4805,7 +4887,7 @@
         <p:spPr>
           <a:xfrm>
             <a:off x="1080000" y="2160000"/>
-            <a:ext cx="4186804" cy="3600000"/>
+            <a:ext cx="3572209" cy="3060193"/>
           </a:xfrm>
           <a:prstGeom prst="rect">
             <a:avLst/>
@@ -4814,10 +4896,10 @@
       </p:pic>
       <p:pic>
         <p:nvPicPr>
-          <p:cNvPr id="7" name="Picture 6">
-            <a:extLst>
-              <a:ext uri="{FF2B5EF4-FFF2-40B4-BE49-F238E27FC236}">
-                <a16:creationId xmlns:a16="http://schemas.microsoft.com/office/drawing/2014/main" id="{62D48E88-85D1-3E32-A69D-E7EB9662CC9E}"/>
+          <p:cNvPr id="8" name="Picture 7">
+            <a:extLst>
+              <a:ext uri="{FF2B5EF4-FFF2-40B4-BE49-F238E27FC236}">
+                <a16:creationId xmlns:a16="http://schemas.microsoft.com/office/drawing/2014/main" id="{C0E59641-99B5-0A72-AB39-B1F045900FB2}"/>
               </a:ext>
             </a:extLst>
           </p:cNvPr>
@@ -4835,7 +4917,7 @@
         <p:spPr>
           <a:xfrm>
             <a:off x="6840000" y="2160000"/>
-            <a:ext cx="4190698" cy="3600000"/>
+            <a:ext cx="4186804" cy="3600000"/>
           </a:xfrm>
           <a:prstGeom prst="rect">
             <a:avLst/>
@@ -4844,10 +4926,10 @@
       </p:pic>
       <p:pic>
         <p:nvPicPr>
-          <p:cNvPr id="10" name="Content Placeholder 4">
-            <a:extLst>
-              <a:ext uri="{FF2B5EF4-FFF2-40B4-BE49-F238E27FC236}">
-                <a16:creationId xmlns:a16="http://schemas.microsoft.com/office/drawing/2014/main" id="{87DF65E5-B8CE-2968-6322-7EB00F35A805}"/>
+          <p:cNvPr id="9" name="Content Placeholder 4">
+            <a:extLst>
+              <a:ext uri="{FF2B5EF4-FFF2-40B4-BE49-F238E27FC236}">
+                <a16:creationId xmlns:a16="http://schemas.microsoft.com/office/drawing/2014/main" id="{17975306-9099-32C9-2276-BB6A27EF939A}"/>
               </a:ext>
             </a:extLst>
           </p:cNvPr>
@@ -4863,8 +4945,38 @@
         </p:blipFill>
         <p:spPr>
           <a:xfrm>
-            <a:off x="4874363" y="3712620"/>
+            <a:off x="2194560" y="4270268"/>
             <a:ext cx="475488" cy="489577"/>
+          </a:xfrm>
+          <a:prstGeom prst="rect">
+            <a:avLst/>
+          </a:prstGeom>
+        </p:spPr>
+      </p:pic>
+      <p:pic>
+        <p:nvPicPr>
+          <p:cNvPr id="10" name="Picture 9">
+            <a:extLst>
+              <a:ext uri="{FF2B5EF4-FFF2-40B4-BE49-F238E27FC236}">
+                <a16:creationId xmlns:a16="http://schemas.microsoft.com/office/drawing/2014/main" id="{090FB4CC-B3E7-ACD8-4E78-78DBCB56DCAC}"/>
+              </a:ext>
+            </a:extLst>
+          </p:cNvPr>
+          <p:cNvPicPr>
+            <a:picLocks noChangeAspect="1"/>
+          </p:cNvPicPr>
+          <p:nvPr/>
+        </p:nvPicPr>
+        <p:blipFill>
+          <a:blip r:embed="rId5"/>
+          <a:stretch>
+            <a:fillRect/>
+          </a:stretch>
+        </p:blipFill>
+        <p:spPr>
+          <a:xfrm>
+            <a:off x="1365504" y="5053554"/>
+            <a:ext cx="2880569" cy="1350267"/>
           </a:xfrm>
           <a:prstGeom prst="rect">
             <a:avLst/>
@@ -4874,7 +4986,7 @@
     </p:spTree>
     <p:extLst>
       <p:ext uri="{BB962C8B-B14F-4D97-AF65-F5344CB8AC3E}">
-        <p14:creationId xmlns:p14="http://schemas.microsoft.com/office/powerpoint/2010/main" val="1605572392"/>
+        <p14:creationId xmlns:p14="http://schemas.microsoft.com/office/powerpoint/2010/main" val="920565319"/>
       </p:ext>
     </p:extLst>
   </p:cSld>
@@ -4906,7 +5018,7 @@
           <p:cNvPr id="2" name="Title 1">
             <a:extLst>
               <a:ext uri="{FF2B5EF4-FFF2-40B4-BE49-F238E27FC236}">
-                <a16:creationId xmlns:a16="http://schemas.microsoft.com/office/drawing/2014/main" id="{35D50A83-3134-84B3-8471-12AC2A1B6159}"/>
+                <a16:creationId xmlns:a16="http://schemas.microsoft.com/office/drawing/2014/main" id="{D9A95033-6EC1-2D9A-45D6-EC7B1B442F92}"/>
               </a:ext>
             </a:extLst>
           </p:cNvPr>
@@ -4924,7 +5036,7 @@
           <a:p>
             <a:r>
               <a:rPr lang="en-GB" dirty="0"/>
-              <a:t>Saving</a:t>
+              <a:t>Plotting</a:t>
             </a:r>
             <a:endParaRPr lang="en-150" dirty="0"/>
           </a:p>
@@ -4932,10 +5044,10 @@
       </p:sp>
       <p:pic>
         <p:nvPicPr>
-          <p:cNvPr id="5" name="Picture 4">
-            <a:extLst>
-              <a:ext uri="{FF2B5EF4-FFF2-40B4-BE49-F238E27FC236}">
-                <a16:creationId xmlns:a16="http://schemas.microsoft.com/office/drawing/2014/main" id="{1779B9B6-DEA3-6192-B9B4-A78533FB0A65}"/>
+          <p:cNvPr id="3" name="Picture 2">
+            <a:extLst>
+              <a:ext uri="{FF2B5EF4-FFF2-40B4-BE49-F238E27FC236}">
+                <a16:creationId xmlns:a16="http://schemas.microsoft.com/office/drawing/2014/main" id="{0DAFAF76-1C8B-ADD8-BFB5-CAD719D722EF}"/>
               </a:ext>
             </a:extLst>
           </p:cNvPr>
@@ -4953,7 +5065,7 @@
         <p:spPr>
           <a:xfrm>
             <a:off x="1080000" y="2160000"/>
-            <a:ext cx="4190698" cy="3600000"/>
+            <a:ext cx="4186804" cy="3600000"/>
           </a:xfrm>
           <a:prstGeom prst="rect">
             <a:avLst/>
@@ -4962,10 +5074,10 @@
       </p:pic>
       <p:pic>
         <p:nvPicPr>
-          <p:cNvPr id="8" name="Picture 7">
-            <a:extLst>
-              <a:ext uri="{FF2B5EF4-FFF2-40B4-BE49-F238E27FC236}">
-                <a16:creationId xmlns:a16="http://schemas.microsoft.com/office/drawing/2014/main" id="{568D5E54-4831-C48E-1E5D-6EC02BF82304}"/>
+          <p:cNvPr id="7" name="Picture 6">
+            <a:extLst>
+              <a:ext uri="{FF2B5EF4-FFF2-40B4-BE49-F238E27FC236}">
+                <a16:creationId xmlns:a16="http://schemas.microsoft.com/office/drawing/2014/main" id="{62D48E88-85D1-3E32-A69D-E7EB9662CC9E}"/>
               </a:ext>
             </a:extLst>
           </p:cNvPr>
@@ -4983,7 +5095,7 @@
         <p:spPr>
           <a:xfrm>
             <a:off x="6840000" y="2160000"/>
-            <a:ext cx="4178238" cy="3600000"/>
+            <a:ext cx="4190698" cy="3600000"/>
           </a:xfrm>
           <a:prstGeom prst="rect">
             <a:avLst/>
@@ -4992,10 +5104,10 @@
       </p:pic>
       <p:pic>
         <p:nvPicPr>
-          <p:cNvPr id="9" name="Content Placeholder 4">
-            <a:extLst>
-              <a:ext uri="{FF2B5EF4-FFF2-40B4-BE49-F238E27FC236}">
-                <a16:creationId xmlns:a16="http://schemas.microsoft.com/office/drawing/2014/main" id="{B7611677-F8D0-F380-0048-729CE49E234A}"/>
+          <p:cNvPr id="10" name="Content Placeholder 4">
+            <a:extLst>
+              <a:ext uri="{FF2B5EF4-FFF2-40B4-BE49-F238E27FC236}">
+                <a16:creationId xmlns:a16="http://schemas.microsoft.com/office/drawing/2014/main" id="{87DF65E5-B8CE-2968-6322-7EB00F35A805}"/>
               </a:ext>
             </a:extLst>
           </p:cNvPr>
@@ -5011,36 +5123,7 @@
         </p:blipFill>
         <p:spPr>
           <a:xfrm>
-            <a:off x="4867082" y="3301548"/>
-            <a:ext cx="475488" cy="489577"/>
-          </a:xfrm>
-          <a:prstGeom prst="rect">
-            <a:avLst/>
-          </a:prstGeom>
-        </p:spPr>
-      </p:pic>
-      <p:pic>
-        <p:nvPicPr>
-          <p:cNvPr id="10" name="Content Placeholder 4">
-            <a:extLst>
-              <a:ext uri="{FF2B5EF4-FFF2-40B4-BE49-F238E27FC236}">
-                <a16:creationId xmlns:a16="http://schemas.microsoft.com/office/drawing/2014/main" id="{5397C5D9-F727-FC43-3FB5-01A255A0DF00}"/>
-              </a:ext>
-            </a:extLst>
-          </p:cNvPr>
-          <p:cNvPicPr>
-            <a:picLocks noChangeAspect="1"/>
-          </p:cNvPicPr>
-          <p:nvPr/>
-        </p:nvPicPr>
-        <p:blipFill rotWithShape="1">
-          <a:blip r:embed="rId4"/>
-          <a:srcRect l="59340" t="2622" r="12039" b="74847"/>
-          <a:stretch/>
-        </p:blipFill>
-        <p:spPr>
-          <a:xfrm>
-            <a:off x="10405872" y="3636828"/>
+            <a:off x="4874363" y="3712620"/>
             <a:ext cx="475488" cy="489577"/>
           </a:xfrm>
           <a:prstGeom prst="rect">
@@ -5051,7 +5134,7 @@
     </p:spTree>
     <p:extLst>
       <p:ext uri="{BB962C8B-B14F-4D97-AF65-F5344CB8AC3E}">
-        <p14:creationId xmlns:p14="http://schemas.microsoft.com/office/powerpoint/2010/main" val="2188309058"/>
+        <p14:creationId xmlns:p14="http://schemas.microsoft.com/office/powerpoint/2010/main" val="1605572392"/>
       </p:ext>
     </p:extLst>
   </p:cSld>
@@ -5101,7 +5184,7 @@
           <a:p>
             <a:r>
               <a:rPr lang="en-GB" dirty="0"/>
-              <a:t>Exiting</a:t>
+              <a:t>Saving</a:t>
             </a:r>
             <a:endParaRPr lang="en-150" dirty="0"/>
           </a:p>
@@ -5112,7 +5195,7 @@
           <p:cNvPr id="5" name="Picture 4">
             <a:extLst>
               <a:ext uri="{FF2B5EF4-FFF2-40B4-BE49-F238E27FC236}">
-                <a16:creationId xmlns:a16="http://schemas.microsoft.com/office/drawing/2014/main" id="{66043149-9453-5EF3-4577-FE02C2FE80E7}"/>
+                <a16:creationId xmlns:a16="http://schemas.microsoft.com/office/drawing/2014/main" id="{1779B9B6-DEA3-6192-B9B4-A78533FB0A65}"/>
               </a:ext>
             </a:extLst>
           </p:cNvPr>
@@ -5139,10 +5222,40 @@
       </p:pic>
       <p:pic>
         <p:nvPicPr>
-          <p:cNvPr id="7" name="Content Placeholder 4">
-            <a:extLst>
-              <a:ext uri="{FF2B5EF4-FFF2-40B4-BE49-F238E27FC236}">
-                <a16:creationId xmlns:a16="http://schemas.microsoft.com/office/drawing/2014/main" id="{34AEEDC3-3562-D377-8D68-F69597FD96DC}"/>
+          <p:cNvPr id="8" name="Picture 7">
+            <a:extLst>
+              <a:ext uri="{FF2B5EF4-FFF2-40B4-BE49-F238E27FC236}">
+                <a16:creationId xmlns:a16="http://schemas.microsoft.com/office/drawing/2014/main" id="{568D5E54-4831-C48E-1E5D-6EC02BF82304}"/>
+              </a:ext>
+            </a:extLst>
+          </p:cNvPr>
+          <p:cNvPicPr>
+            <a:picLocks noChangeAspect="1"/>
+          </p:cNvPicPr>
+          <p:nvPr/>
+        </p:nvPicPr>
+        <p:blipFill>
+          <a:blip r:embed="rId3"/>
+          <a:stretch>
+            <a:fillRect/>
+          </a:stretch>
+        </p:blipFill>
+        <p:spPr>
+          <a:xfrm>
+            <a:off x="6840000" y="2160000"/>
+            <a:ext cx="4178238" cy="3600000"/>
+          </a:xfrm>
+          <a:prstGeom prst="rect">
+            <a:avLst/>
+          </a:prstGeom>
+        </p:spPr>
+      </p:pic>
+      <p:pic>
+        <p:nvPicPr>
+          <p:cNvPr id="9" name="Content Placeholder 4">
+            <a:extLst>
+              <a:ext uri="{FF2B5EF4-FFF2-40B4-BE49-F238E27FC236}">
+                <a16:creationId xmlns:a16="http://schemas.microsoft.com/office/drawing/2014/main" id="{B7611677-F8D0-F380-0048-729CE49E234A}"/>
               </a:ext>
             </a:extLst>
           </p:cNvPr>
@@ -5152,13 +5265,42 @@
           <p:nvPr/>
         </p:nvPicPr>
         <p:blipFill rotWithShape="1">
-          <a:blip r:embed="rId3"/>
+          <a:blip r:embed="rId4"/>
           <a:srcRect l="59340" t="2622" r="12039" b="74847"/>
           <a:stretch/>
         </p:blipFill>
         <p:spPr>
           <a:xfrm>
-            <a:off x="4878440" y="4067916"/>
+            <a:off x="4867082" y="3301548"/>
+            <a:ext cx="475488" cy="489577"/>
+          </a:xfrm>
+          <a:prstGeom prst="rect">
+            <a:avLst/>
+          </a:prstGeom>
+        </p:spPr>
+      </p:pic>
+      <p:pic>
+        <p:nvPicPr>
+          <p:cNvPr id="10" name="Content Placeholder 4">
+            <a:extLst>
+              <a:ext uri="{FF2B5EF4-FFF2-40B4-BE49-F238E27FC236}">
+                <a16:creationId xmlns:a16="http://schemas.microsoft.com/office/drawing/2014/main" id="{5397C5D9-F727-FC43-3FB5-01A255A0DF00}"/>
+              </a:ext>
+            </a:extLst>
+          </p:cNvPr>
+          <p:cNvPicPr>
+            <a:picLocks noChangeAspect="1"/>
+          </p:cNvPicPr>
+          <p:nvPr/>
+        </p:nvPicPr>
+        <p:blipFill rotWithShape="1">
+          <a:blip r:embed="rId4"/>
+          <a:srcRect l="59340" t="2622" r="12039" b="74847"/>
+          <a:stretch/>
+        </p:blipFill>
+        <p:spPr>
+          <a:xfrm>
+            <a:off x="10405872" y="3636828"/>
             <a:ext cx="475488" cy="489577"/>
           </a:xfrm>
           <a:prstGeom prst="rect">
@@ -5169,7 +5311,7 @@
     </p:spTree>
     <p:extLst>
       <p:ext uri="{BB962C8B-B14F-4D97-AF65-F5344CB8AC3E}">
-        <p14:creationId xmlns:p14="http://schemas.microsoft.com/office/powerpoint/2010/main" val="768037941"/>
+        <p14:creationId xmlns:p14="http://schemas.microsoft.com/office/powerpoint/2010/main" val="2188309058"/>
       </p:ext>
     </p:extLst>
   </p:cSld>
